--- a/TechnicalDataPackage/Components/IRFZ44N/IRFZ44NNotes.pptx
+++ b/TechnicalDataPackage/Components/IRFZ44N/IRFZ44NNotes.pptx
@@ -3713,6 +3713,264 @@
           </a:p>
         </p:txBody>
       </p:sp>
+      <p:pic>
+        <p:nvPicPr>
+          <p:cNvPr id="3" name="Picture 2">
+            <a:extLst>
+              <a:ext uri="{FF2B5EF4-FFF2-40B4-BE49-F238E27FC236}">
+                <a16:creationId xmlns:a16="http://schemas.microsoft.com/office/drawing/2014/main" id="{9E323F8F-C2E9-AC79-42D4-51E7B69B24DE}"/>
+              </a:ext>
+            </a:extLst>
+          </p:cNvPr>
+          <p:cNvPicPr>
+            <a:picLocks noChangeAspect="1"/>
+          </p:cNvPicPr>
+          <p:nvPr/>
+        </p:nvPicPr>
+        <p:blipFill>
+          <a:blip r:embed="rId2"/>
+          <a:stretch>
+            <a:fillRect/>
+          </a:stretch>
+        </p:blipFill>
+        <p:spPr>
+          <a:xfrm>
+            <a:off x="0" y="441050"/>
+            <a:ext cx="12192000" cy="3358719"/>
+          </a:xfrm>
+          <a:prstGeom prst="rect">
+            <a:avLst/>
+          </a:prstGeom>
+        </p:spPr>
+      </p:pic>
+      <p:sp>
+        <p:nvSpPr>
+          <p:cNvPr id="4" name="TextBox 3">
+            <a:extLst>
+              <a:ext uri="{FF2B5EF4-FFF2-40B4-BE49-F238E27FC236}">
+                <a16:creationId xmlns:a16="http://schemas.microsoft.com/office/drawing/2014/main" id="{C15A22DC-5277-B4EA-9BF2-F7A5B2700532}"/>
+              </a:ext>
+            </a:extLst>
+          </p:cNvPr>
+          <p:cNvSpPr txBox="1"/>
+          <p:nvPr/>
+        </p:nvSpPr>
+        <p:spPr>
+          <a:xfrm>
+            <a:off x="5120640" y="3799769"/>
+            <a:ext cx="612604" cy="369332"/>
+          </a:xfrm>
+          <a:prstGeom prst="rect">
+            <a:avLst/>
+          </a:prstGeom>
+          <a:noFill/>
+        </p:spPr>
+        <p:txBody>
+          <a:bodyPr wrap="none" rtlCol="0">
+            <a:spAutoFit/>
+          </a:bodyPr>
+          <a:lstStyle/>
+          <a:p>
+            <a:r>
+              <a:rPr lang="en-US" dirty="0"/>
+              <a:t>gate</a:t>
+            </a:r>
+          </a:p>
+        </p:txBody>
+      </p:sp>
+      <p:sp>
+        <p:nvSpPr>
+          <p:cNvPr id="5" name="TextBox 4">
+            <a:extLst>
+              <a:ext uri="{FF2B5EF4-FFF2-40B4-BE49-F238E27FC236}">
+                <a16:creationId xmlns:a16="http://schemas.microsoft.com/office/drawing/2014/main" id="{ABDE0B8A-C1AD-091B-3040-40958298493E}"/>
+              </a:ext>
+            </a:extLst>
+          </p:cNvPr>
+          <p:cNvSpPr txBox="1"/>
+          <p:nvPr/>
+        </p:nvSpPr>
+        <p:spPr>
+          <a:xfrm>
+            <a:off x="5896293" y="3799769"/>
+            <a:ext cx="689163" cy="369332"/>
+          </a:xfrm>
+          <a:prstGeom prst="rect">
+            <a:avLst/>
+          </a:prstGeom>
+          <a:noFill/>
+        </p:spPr>
+        <p:txBody>
+          <a:bodyPr wrap="none" rtlCol="0">
+            <a:spAutoFit/>
+          </a:bodyPr>
+          <a:lstStyle/>
+          <a:p>
+            <a:r>
+              <a:rPr lang="en-US" dirty="0"/>
+              <a:t>drain</a:t>
+            </a:r>
+          </a:p>
+        </p:txBody>
+      </p:sp>
+      <p:sp>
+        <p:nvSpPr>
+          <p:cNvPr id="6" name="TextBox 5">
+            <a:extLst>
+              <a:ext uri="{FF2B5EF4-FFF2-40B4-BE49-F238E27FC236}">
+                <a16:creationId xmlns:a16="http://schemas.microsoft.com/office/drawing/2014/main" id="{7EC37BEB-0F4C-DCD1-7073-4AF840A50878}"/>
+              </a:ext>
+            </a:extLst>
+          </p:cNvPr>
+          <p:cNvSpPr txBox="1"/>
+          <p:nvPr/>
+        </p:nvSpPr>
+        <p:spPr>
+          <a:xfrm>
+            <a:off x="6577676" y="3799769"/>
+            <a:ext cx="869212" cy="369332"/>
+          </a:xfrm>
+          <a:prstGeom prst="rect">
+            <a:avLst/>
+          </a:prstGeom>
+          <a:noFill/>
+        </p:spPr>
+        <p:txBody>
+          <a:bodyPr wrap="none" rtlCol="0">
+            <a:spAutoFit/>
+          </a:bodyPr>
+          <a:lstStyle/>
+          <a:p>
+            <a:r>
+              <a:rPr lang="en-US" dirty="0"/>
+              <a:t>source</a:t>
+            </a:r>
+          </a:p>
+        </p:txBody>
+      </p:sp>
+      <p:cxnSp>
+        <p:nvCxnSpPr>
+          <p:cNvPr id="8" name="Straight Arrow Connector 7">
+            <a:extLst>
+              <a:ext uri="{FF2B5EF4-FFF2-40B4-BE49-F238E27FC236}">
+                <a16:creationId xmlns:a16="http://schemas.microsoft.com/office/drawing/2014/main" id="{9FC20240-F14F-0F6A-3414-09AE3E401C5C}"/>
+              </a:ext>
+            </a:extLst>
+          </p:cNvPr>
+          <p:cNvCxnSpPr/>
+          <p:nvPr/>
+        </p:nvCxnSpPr>
+        <p:spPr>
+          <a:xfrm flipV="1">
+            <a:off x="5557520" y="3429000"/>
+            <a:ext cx="467360" cy="370769"/>
+          </a:xfrm>
+          <a:prstGeom prst="straightConnector1">
+            <a:avLst/>
+          </a:prstGeom>
+          <a:ln>
+            <a:tailEnd type="triangle"/>
+          </a:ln>
+        </p:spPr>
+        <p:style>
+          <a:lnRef idx="2">
+            <a:schemeClr val="accent1"/>
+          </a:lnRef>
+          <a:fillRef idx="0">
+            <a:schemeClr val="accent1"/>
+          </a:fillRef>
+          <a:effectRef idx="1">
+            <a:schemeClr val="accent1"/>
+          </a:effectRef>
+          <a:fontRef idx="minor">
+            <a:schemeClr val="tx1"/>
+          </a:fontRef>
+        </p:style>
+      </p:cxnSp>
+      <p:cxnSp>
+        <p:nvCxnSpPr>
+          <p:cNvPr id="9" name="Straight Arrow Connector 8">
+            <a:extLst>
+              <a:ext uri="{FF2B5EF4-FFF2-40B4-BE49-F238E27FC236}">
+                <a16:creationId xmlns:a16="http://schemas.microsoft.com/office/drawing/2014/main" id="{8987D23E-D80E-93EC-1D0B-91AFDBCA45A3}"/>
+              </a:ext>
+            </a:extLst>
+          </p:cNvPr>
+          <p:cNvCxnSpPr>
+            <a:cxnSpLocks/>
+            <a:stCxn id="5" idx="0"/>
+          </p:cNvCxnSpPr>
+          <p:nvPr/>
+        </p:nvCxnSpPr>
+        <p:spPr>
+          <a:xfrm flipV="1">
+            <a:off x="6240875" y="3429000"/>
+            <a:ext cx="0" cy="370769"/>
+          </a:xfrm>
+          <a:prstGeom prst="straightConnector1">
+            <a:avLst/>
+          </a:prstGeom>
+          <a:ln>
+            <a:tailEnd type="triangle"/>
+          </a:ln>
+        </p:spPr>
+        <p:style>
+          <a:lnRef idx="2">
+            <a:schemeClr val="accent1"/>
+          </a:lnRef>
+          <a:fillRef idx="0">
+            <a:schemeClr val="accent1"/>
+          </a:fillRef>
+          <a:effectRef idx="1">
+            <a:schemeClr val="accent1"/>
+          </a:effectRef>
+          <a:fontRef idx="minor">
+            <a:schemeClr val="tx1"/>
+          </a:fontRef>
+        </p:style>
+      </p:cxnSp>
+      <p:cxnSp>
+        <p:nvCxnSpPr>
+          <p:cNvPr id="13" name="Straight Arrow Connector 12">
+            <a:extLst>
+              <a:ext uri="{FF2B5EF4-FFF2-40B4-BE49-F238E27FC236}">
+                <a16:creationId xmlns:a16="http://schemas.microsoft.com/office/drawing/2014/main" id="{18A0CF8A-643A-35BF-FE92-9502279AE8A8}"/>
+              </a:ext>
+            </a:extLst>
+          </p:cNvPr>
+          <p:cNvCxnSpPr>
+            <a:cxnSpLocks/>
+            <a:stCxn id="6" idx="0"/>
+          </p:cNvCxnSpPr>
+          <p:nvPr/>
+        </p:nvCxnSpPr>
+        <p:spPr>
+          <a:xfrm flipH="1" flipV="1">
+            <a:off x="6403925" y="3429000"/>
+            <a:ext cx="608357" cy="370769"/>
+          </a:xfrm>
+          <a:prstGeom prst="straightConnector1">
+            <a:avLst/>
+          </a:prstGeom>
+          <a:ln>
+            <a:tailEnd type="triangle"/>
+          </a:ln>
+        </p:spPr>
+        <p:style>
+          <a:lnRef idx="2">
+            <a:schemeClr val="accent1"/>
+          </a:lnRef>
+          <a:fillRef idx="0">
+            <a:schemeClr val="accent1"/>
+          </a:fillRef>
+          <a:effectRef idx="1">
+            <a:schemeClr val="accent1"/>
+          </a:effectRef>
+          <a:fontRef idx="minor">
+            <a:schemeClr val="tx1"/>
+          </a:fontRef>
+        </p:style>
+      </p:cxnSp>
     </p:spTree>
     <p:extLst>
       <p:ext uri="{BB962C8B-B14F-4D97-AF65-F5344CB8AC3E}">
